--- a/slides/Nano-Server-Introduction.pptx
+++ b/slides/Nano-Server-Introduction.pptx
@@ -19,7 +19,7 @@
     <p:sldId id="382" r:id="rId10"/>
     <p:sldId id="384" r:id="rId11"/>
     <p:sldId id="388" r:id="rId12"/>
-    <p:sldId id="386" r:id="rId13"/>
+    <p:sldId id="393" r:id="rId13"/>
     <p:sldId id="387" r:id="rId14"/>
     <p:sldId id="389" r:id="rId15"/>
     <p:sldId id="385" r:id="rId16"/>
@@ -126,6 +126,46 @@
     </a:lvl9pPr>
   </p:defaultTextStyle>
   <p:extLst>
+    <p:ext uri="{521415D9-36F7-43E2-AB2F-B90AF26B5E84}">
+      <p14:sectionLst xmlns:p14="http://schemas.microsoft.com/office/powerpoint/2010/main">
+        <p14:section name="Introduction" id="{E8E2D901-EC1B-4D76-9422-609576AD1C89}">
+          <p14:sldIdLst>
+            <p14:sldId id="377"/>
+            <p14:sldId id="378"/>
+            <p14:sldId id="379"/>
+          </p14:sldIdLst>
+        </p14:section>
+        <p14:section name="Installation" id="{133BC408-D9CD-4413-BF7A-132D56030633}">
+          <p14:sldIdLst>
+            <p14:sldId id="381"/>
+            <p14:sldId id="383"/>
+            <p14:sldId id="382"/>
+            <p14:sldId id="384"/>
+            <p14:sldId id="388"/>
+            <p14:sldId id="393"/>
+          </p14:sldIdLst>
+        </p14:section>
+        <p14:section name="Manage" id="{20647ED0-39B9-4CF1-B01F-0F1CF7DDAF40}">
+          <p14:sldIdLst>
+            <p14:sldId id="387"/>
+            <p14:sldId id="389"/>
+            <p14:sldId id="385"/>
+          </p14:sldIdLst>
+        </p14:section>
+        <p14:section name="Container" id="{F62D23DC-85AC-4E60-B107-7A261F393481}">
+          <p14:sldIdLst>
+            <p14:sldId id="390"/>
+            <p14:sldId id="391"/>
+          </p14:sldIdLst>
+        </p14:section>
+        <p14:section name="Summary" id="{523A764E-73CA-4323-9C67-CF88985C42B2}">
+          <p14:sldIdLst>
+            <p14:sldId id="392"/>
+            <p14:sldId id="362"/>
+          </p14:sldIdLst>
+        </p14:section>
+      </p14:sectionLst>
+    </p:ext>
     <p:ext uri="{EFAFB233-063F-42B5-8137-9DF3F51BA10A}">
       <p15:sldGuideLst xmlns:p15="http://schemas.microsoft.com/office/powerpoint/2012/main">
         <p15:guide id="1" orient="horz" pos="1620">
@@ -12430,7 +12470,7 @@
           <a:p>
             <a:r>
               <a:rPr lang="en-US" dirty="0"/>
-              <a:t>Install Updates</a:t>
+              <a:t>Install Updates during VHD building</a:t>
             </a:r>
           </a:p>
         </p:txBody>
@@ -12505,8 +12545,8 @@
         </p:nvSpPr>
         <p:spPr>
           <a:xfrm>
-            <a:off x="6410488" y="4192527"/>
-            <a:ext cx="1761912" cy="342488"/>
+            <a:off x="5652120" y="4192527"/>
+            <a:ext cx="2520280" cy="342488"/>
           </a:xfrm>
           <a:prstGeom prst="rect">
             <a:avLst/>
@@ -12552,7 +12592,7 @@
         <p:spPr>
           <a:xfrm flipV="1">
             <a:off x="4355976" y="4371950"/>
-            <a:ext cx="2016224" cy="72008"/>
+            <a:ext cx="1224136" cy="72008"/>
           </a:xfrm>
           <a:prstGeom prst="straightConnector1">
             <a:avLst/>
@@ -12586,9 +12626,18 @@
   <p:clrMapOvr>
     <a:masterClrMapping/>
   </p:clrMapOvr>
-  <p:transition spd="slow">
-    <p:push/>
-  </p:transition>
+  <mc:AlternateContent xmlns:mc="http://schemas.openxmlformats.org/markup-compatibility/2006" xmlns:p14="http://schemas.microsoft.com/office/powerpoint/2010/main">
+    <mc:Choice Requires="p14">
+      <p:transition spd="med" p14:dur="700">
+        <p:fade/>
+      </p:transition>
+    </mc:Choice>
+    <mc:Fallback xmlns="">
+      <p:transition spd="med">
+        <p:fade/>
+      </p:transition>
+    </mc:Fallback>
+  </mc:AlternateContent>
 </p:sld>
 </file>
 
@@ -12859,7 +12908,7 @@
 </file>
 
 <file path=ppt/slides/slide14.xml><?xml version="1.0" encoding="utf-8"?>
-<p:sld xmlns:a="http://schemas.openxmlformats.org/drawingml/2006/main" xmlns:r="http://schemas.openxmlformats.org/officeDocument/2006/relationships" xmlns:p="http://schemas.openxmlformats.org/presentationml/2006/main">
+<p:sld xmlns:a="http://schemas.openxmlformats.org/drawingml/2006/main" xmlns:r="http://schemas.openxmlformats.org/officeDocument/2006/relationships" xmlns:p="http://schemas.openxmlformats.org/presentationml/2006/main" showMasterPhAnim="0">
   <p:cSld>
     <p:spTree>
       <p:nvGrpSpPr>
@@ -12919,7 +12968,9 @@
           </a:p>
           <a:p>
             <a:r>
-              <a:rPr lang="en-US" dirty="0" err="1"/>
+              <a:rPr lang="en-US" dirty="0" err="1">
+                <a:hlinkClick r:id="rId2"/>
+              </a:rPr>
               <a:t>Dockerfile</a:t>
             </a:r>
             <a:endParaRPr lang="en-US" dirty="0"/>
@@ -12934,20 +12985,32 @@
           <a:p>
             <a:r>
               <a:rPr lang="en-US" dirty="0"/>
-              <a:t>Nano Server </a:t>
-            </a:r>
-            <a:r>
-              <a:rPr lang="en-US"/>
-              <a:t>as </a:t>
+              <a:t>Nano Server as </a:t>
             </a:r>
             <a:br>
-              <a:rPr lang="en-US"/>
+              <a:rPr lang="en-US" dirty="0"/>
             </a:br>
             <a:r>
-              <a:rPr lang="en-US"/>
+              <a:rPr lang="en-US" dirty="0"/>
               <a:t>Docker Host</a:t>
             </a:r>
+          </a:p>
+          <a:p>
+            <a:pPr lvl="1"/>
+            <a:r>
+              <a:rPr lang="en-US" dirty="0">
+                <a:hlinkClick r:id="rId3"/>
+              </a:rPr>
+              <a:t>Setup</a:t>
+            </a:r>
             <a:endParaRPr lang="en-US" dirty="0"/>
+          </a:p>
+          <a:p>
+            <a:pPr lvl="1"/>
+            <a:r>
+              <a:rPr lang="en-US" dirty="0"/>
+              <a:t>Connect from Docker client</a:t>
+            </a:r>
           </a:p>
         </p:txBody>
       </p:sp>
@@ -12999,9 +13062,18 @@
   <p:clrMapOvr>
     <a:masterClrMapping/>
   </p:clrMapOvr>
-  <p:transition spd="slow">
-    <p:push/>
-  </p:transition>
+  <mc:AlternateContent xmlns:mc="http://schemas.openxmlformats.org/markup-compatibility/2006" xmlns:p14="http://schemas.microsoft.com/office/powerpoint/2010/main">
+    <mc:Choice Requires="p14">
+      <p:transition spd="med" p14:dur="700">
+        <p:fade/>
+      </p:transition>
+    </mc:Choice>
+    <mc:Fallback xmlns="">
+      <p:transition spd="med">
+        <p:fade/>
+      </p:transition>
+    </mc:Fallback>
+  </mc:AlternateContent>
 </p:sld>
 </file>
 
@@ -13979,11 +14051,256 @@
   <p:transition spd="slow">
     <p:push/>
   </p:transition>
+  <p:timing>
+    <p:tnLst>
+      <p:par>
+        <p:cTn id="1" dur="indefinite" restart="never" nodeType="tmRoot">
+          <p:childTnLst>
+            <p:seq concurrent="1" nextAc="seek">
+              <p:cTn id="2" dur="indefinite" nodeType="mainSeq">
+                <p:childTnLst>
+                  <p:par>
+                    <p:cTn id="3" fill="hold">
+                      <p:stCondLst>
+                        <p:cond delay="indefinite"/>
+                      </p:stCondLst>
+                      <p:childTnLst>
+                        <p:par>
+                          <p:cTn id="4" fill="hold">
+                            <p:stCondLst>
+                              <p:cond delay="0"/>
+                            </p:stCondLst>
+                            <p:childTnLst>
+                              <p:par>
+                                <p:cTn id="5" presetID="10" presetClass="entr" presetSubtype="0" fill="hold" nodeType="clickEffect">
+                                  <p:stCondLst>
+                                    <p:cond delay="0"/>
+                                  </p:stCondLst>
+                                  <p:childTnLst>
+                                    <p:set>
+                                      <p:cBhvr>
+                                        <p:cTn id="6" dur="1" fill="hold">
+                                          <p:stCondLst>
+                                            <p:cond delay="0"/>
+                                          </p:stCondLst>
+                                        </p:cTn>
+                                        <p:tgtEl>
+                                          <p:spTgt spid="7"/>
+                                        </p:tgtEl>
+                                        <p:attrNameLst>
+                                          <p:attrName>style.visibility</p:attrName>
+                                        </p:attrNameLst>
+                                      </p:cBhvr>
+                                      <p:to>
+                                        <p:strVal val="visible"/>
+                                      </p:to>
+                                    </p:set>
+                                    <p:animEffect transition="in" filter="fade">
+                                      <p:cBhvr>
+                                        <p:cTn id="7" dur="500"/>
+                                        <p:tgtEl>
+                                          <p:spTgt spid="7"/>
+                                        </p:tgtEl>
+                                      </p:cBhvr>
+                                    </p:animEffect>
+                                  </p:childTnLst>
+                                </p:cTn>
+                              </p:par>
+                            </p:childTnLst>
+                          </p:cTn>
+                        </p:par>
+                      </p:childTnLst>
+                    </p:cTn>
+                  </p:par>
+                  <p:par>
+                    <p:cTn id="8" fill="hold">
+                      <p:stCondLst>
+                        <p:cond delay="indefinite"/>
+                      </p:stCondLst>
+                      <p:childTnLst>
+                        <p:par>
+                          <p:cTn id="9" fill="hold">
+                            <p:stCondLst>
+                              <p:cond delay="0"/>
+                            </p:stCondLst>
+                            <p:childTnLst>
+                              <p:par>
+                                <p:cTn id="10" presetID="10" presetClass="entr" presetSubtype="0" fill="hold" nodeType="clickEffect">
+                                  <p:stCondLst>
+                                    <p:cond delay="0"/>
+                                  </p:stCondLst>
+                                  <p:childTnLst>
+                                    <p:set>
+                                      <p:cBhvr>
+                                        <p:cTn id="11" dur="1" fill="hold">
+                                          <p:stCondLst>
+                                            <p:cond delay="0"/>
+                                          </p:stCondLst>
+                                        </p:cTn>
+                                        <p:tgtEl>
+                                          <p:spTgt spid="8"/>
+                                        </p:tgtEl>
+                                        <p:attrNameLst>
+                                          <p:attrName>style.visibility</p:attrName>
+                                        </p:attrNameLst>
+                                      </p:cBhvr>
+                                      <p:to>
+                                        <p:strVal val="visible"/>
+                                      </p:to>
+                                    </p:set>
+                                    <p:animEffect transition="in" filter="fade">
+                                      <p:cBhvr>
+                                        <p:cTn id="12" dur="500"/>
+                                        <p:tgtEl>
+                                          <p:spTgt spid="8"/>
+                                        </p:tgtEl>
+                                      </p:cBhvr>
+                                    </p:animEffect>
+                                  </p:childTnLst>
+                                </p:cTn>
+                              </p:par>
+                            </p:childTnLst>
+                          </p:cTn>
+                        </p:par>
+                      </p:childTnLst>
+                    </p:cTn>
+                  </p:par>
+                  <p:par>
+                    <p:cTn id="13" fill="hold">
+                      <p:stCondLst>
+                        <p:cond delay="indefinite"/>
+                      </p:stCondLst>
+                      <p:childTnLst>
+                        <p:par>
+                          <p:cTn id="14" fill="hold">
+                            <p:stCondLst>
+                              <p:cond delay="0"/>
+                            </p:stCondLst>
+                            <p:childTnLst>
+                              <p:par>
+                                <p:cTn id="15" presetID="10" presetClass="entr" presetSubtype="0" fill="hold" nodeType="clickEffect">
+                                  <p:stCondLst>
+                                    <p:cond delay="0"/>
+                                  </p:stCondLst>
+                                  <p:childTnLst>
+                                    <p:set>
+                                      <p:cBhvr>
+                                        <p:cTn id="16" dur="1" fill="hold">
+                                          <p:stCondLst>
+                                            <p:cond delay="0"/>
+                                          </p:stCondLst>
+                                        </p:cTn>
+                                        <p:tgtEl>
+                                          <p:spTgt spid="9"/>
+                                        </p:tgtEl>
+                                        <p:attrNameLst>
+                                          <p:attrName>style.visibility</p:attrName>
+                                        </p:attrNameLst>
+                                      </p:cBhvr>
+                                      <p:to>
+                                        <p:strVal val="visible"/>
+                                      </p:to>
+                                    </p:set>
+                                    <p:animEffect transition="in" filter="fade">
+                                      <p:cBhvr>
+                                        <p:cTn id="17" dur="500"/>
+                                        <p:tgtEl>
+                                          <p:spTgt spid="9"/>
+                                        </p:tgtEl>
+                                      </p:cBhvr>
+                                    </p:animEffect>
+                                  </p:childTnLst>
+                                </p:cTn>
+                              </p:par>
+                            </p:childTnLst>
+                          </p:cTn>
+                        </p:par>
+                      </p:childTnLst>
+                    </p:cTn>
+                  </p:par>
+                  <p:par>
+                    <p:cTn id="18" fill="hold">
+                      <p:stCondLst>
+                        <p:cond delay="indefinite"/>
+                      </p:stCondLst>
+                      <p:childTnLst>
+                        <p:par>
+                          <p:cTn id="19" fill="hold">
+                            <p:stCondLst>
+                              <p:cond delay="0"/>
+                            </p:stCondLst>
+                            <p:childTnLst>
+                              <p:par>
+                                <p:cTn id="20" presetID="10" presetClass="entr" presetSubtype="0" fill="hold" grpId="0" nodeType="clickEffect">
+                                  <p:stCondLst>
+                                    <p:cond delay="0"/>
+                                  </p:stCondLst>
+                                  <p:childTnLst>
+                                    <p:set>
+                                      <p:cBhvr>
+                                        <p:cTn id="21" dur="1" fill="hold">
+                                          <p:stCondLst>
+                                            <p:cond delay="0"/>
+                                          </p:stCondLst>
+                                        </p:cTn>
+                                        <p:tgtEl>
+                                          <p:spTgt spid="10"/>
+                                        </p:tgtEl>
+                                        <p:attrNameLst>
+                                          <p:attrName>style.visibility</p:attrName>
+                                        </p:attrNameLst>
+                                      </p:cBhvr>
+                                      <p:to>
+                                        <p:strVal val="visible"/>
+                                      </p:to>
+                                    </p:set>
+                                    <p:animEffect transition="in" filter="fade">
+                                      <p:cBhvr>
+                                        <p:cTn id="22" dur="500"/>
+                                        <p:tgtEl>
+                                          <p:spTgt spid="10"/>
+                                        </p:tgtEl>
+                                      </p:cBhvr>
+                                    </p:animEffect>
+                                  </p:childTnLst>
+                                </p:cTn>
+                              </p:par>
+                            </p:childTnLst>
+                          </p:cTn>
+                        </p:par>
+                      </p:childTnLst>
+                    </p:cTn>
+                  </p:par>
+                </p:childTnLst>
+              </p:cTn>
+              <p:prevCondLst>
+                <p:cond evt="onPrev" delay="0">
+                  <p:tgtEl>
+                    <p:sldTgt/>
+                  </p:tgtEl>
+                </p:cond>
+              </p:prevCondLst>
+              <p:nextCondLst>
+                <p:cond evt="onNext" delay="0">
+                  <p:tgtEl>
+                    <p:sldTgt/>
+                  </p:tgtEl>
+                </p:cond>
+              </p:nextCondLst>
+            </p:seq>
+          </p:childTnLst>
+        </p:cTn>
+      </p:par>
+    </p:tnLst>
+    <p:bldLst>
+      <p:bldP spid="10" grpId="0" animBg="1"/>
+    </p:bldLst>
+  </p:timing>
 </p:sld>
 </file>
 
 <file path=ppt/slides/slide5.xml><?xml version="1.0" encoding="utf-8"?>
-<p:sld xmlns:a="http://schemas.openxmlformats.org/drawingml/2006/main" xmlns:r="http://schemas.openxmlformats.org/officeDocument/2006/relationships" xmlns:p="http://schemas.openxmlformats.org/presentationml/2006/main">
+<p:sld xmlns:a="http://schemas.openxmlformats.org/drawingml/2006/main" xmlns:r="http://schemas.openxmlformats.org/officeDocument/2006/relationships" xmlns:p="http://schemas.openxmlformats.org/presentationml/2006/main" showMasterPhAnim="0">
   <p:cSld>
     <p:spTree>
       <p:nvGrpSpPr>
@@ -14110,14 +14427,23 @@
   <p:clrMapOvr>
     <a:masterClrMapping/>
   </p:clrMapOvr>
-  <p:transition spd="slow">
-    <p:push/>
-  </p:transition>
+  <mc:AlternateContent xmlns:mc="http://schemas.openxmlformats.org/markup-compatibility/2006" xmlns:p14="http://schemas.microsoft.com/office/powerpoint/2010/main">
+    <mc:Choice Requires="p14">
+      <p:transition spd="med" p14:dur="700">
+        <p:fade/>
+      </p:transition>
+    </mc:Choice>
+    <mc:Fallback xmlns="">
+      <p:transition spd="med">
+        <p:fade/>
+      </p:transition>
+    </mc:Fallback>
+  </mc:AlternateContent>
 </p:sld>
 </file>
 
 <file path=ppt/slides/slide6.xml><?xml version="1.0" encoding="utf-8"?>
-<p:sld xmlns:a="http://schemas.openxmlformats.org/drawingml/2006/main" xmlns:r="http://schemas.openxmlformats.org/officeDocument/2006/relationships" xmlns:p="http://schemas.openxmlformats.org/presentationml/2006/main">
+<p:sld xmlns:a="http://schemas.openxmlformats.org/drawingml/2006/main" xmlns:r="http://schemas.openxmlformats.org/officeDocument/2006/relationships" xmlns:p="http://schemas.openxmlformats.org/presentationml/2006/main" show="0">
   <p:cSld>
     <p:spTree>
       <p:nvGrpSpPr>
@@ -14289,7 +14615,7 @@
           <a:p>
             <a:r>
               <a:rPr lang="de-AT" sz="1000" noProof="1"/>
-              <a:t># Create Nano Server ISO image</a:t>
+              <a:t># Create Nano Server ISO VHD</a:t>
             </a:r>
           </a:p>
           <a:p>
@@ -14398,12 +14724,9 @@
               <a:rPr lang="de-AT" dirty="0">
                 <a:hlinkClick r:id="rId2"/>
               </a:rPr>
-              <a:t>https://technet.microsoft.com/en-us/windows-server-docs/get-started/deploy-nano-server#nano-server-image-builder</a:t>
-            </a:r>
-            <a:r>
-              <a:rPr lang="de-AT" dirty="0"/>
-              <a:t> </a:t>
-            </a:r>
+              <a:t>https://github.com/rstropek/DockerVS2015Intro/blob/master/dockerDemos/07-win-container-nano-server/setup-simple-nano-server.ps1</a:t>
+            </a:r>
+            <a:endParaRPr lang="de-AT" dirty="0"/>
           </a:p>
         </p:txBody>
       </p:sp>
@@ -14424,7 +14747,7 @@
 </file>
 
 <file path=ppt/slides/slide7.xml><?xml version="1.0" encoding="utf-8"?>
-<p:sld xmlns:a="http://schemas.openxmlformats.org/drawingml/2006/main" xmlns:r="http://schemas.openxmlformats.org/officeDocument/2006/relationships" xmlns:p="http://schemas.openxmlformats.org/presentationml/2006/main">
+<p:sld xmlns:a="http://schemas.openxmlformats.org/drawingml/2006/main" xmlns:r="http://schemas.openxmlformats.org/officeDocument/2006/relationships" xmlns:p="http://schemas.openxmlformats.org/presentationml/2006/main" show="0">
   <p:cSld>
     <p:spTree>
       <p:nvGrpSpPr>
@@ -14456,7 +14779,7 @@
           <a:lstStyle/>
           <a:p>
             <a:r>
-              <a:rPr lang="de-AT" dirty="0"/>
+              <a:rPr lang="en-US" dirty="0"/>
               <a:t>Installation</a:t>
             </a:r>
           </a:p>
@@ -14478,62 +14801,62 @@
           <a:lstStyle/>
           <a:p>
             <a:r>
-              <a:rPr lang="de-AT" sz="1000" noProof="1"/>
+              <a:rPr lang="en-US" sz="1000" noProof="1"/>
               <a:t>Import-Module Hyper-V</a:t>
             </a:r>
           </a:p>
           <a:p>
             <a:r>
-              <a:rPr lang="de-AT" sz="1000" noProof="1"/>
+              <a:rPr lang="en-US" sz="1000" noProof="1"/>
               <a:t>net start WinRM</a:t>
             </a:r>
           </a:p>
           <a:p>
-            <a:endParaRPr lang="de-AT" sz="1000" noProof="1"/>
-          </a:p>
-          <a:p>
-            <a:r>
-              <a:rPr lang="de-AT" sz="1000" noProof="1"/>
+            <a:endParaRPr lang="en-US" sz="1000" noProof="1"/>
+          </a:p>
+          <a:p>
+            <a:r>
+              <a:rPr lang="en-US" sz="1000" noProof="1"/>
               <a:t>$computerName = "Simple Nano Server"</a:t>
             </a:r>
           </a:p>
           <a:p>
-            <a:endParaRPr lang="de-AT" sz="1000" noProof="1"/>
-          </a:p>
-          <a:p>
-            <a:r>
-              <a:rPr lang="de-AT" sz="1000" noProof="1"/>
+            <a:endParaRPr lang="en-US" sz="1000" noProof="1"/>
+          </a:p>
+          <a:p>
+            <a:r>
+              <a:rPr lang="en-US" sz="1000" noProof="1"/>
               <a:t>$vm = Get-VM -Name $computerName</a:t>
             </a:r>
           </a:p>
           <a:p>
             <a:r>
-              <a:rPr lang="de-AT" sz="1000" noProof="1"/>
+              <a:rPr lang="en-US" sz="1000" noProof="1"/>
               <a:t>$vmIP = (Get-VMNetworkAdapter $vm)[0].IPAddresses[0]</a:t>
             </a:r>
           </a:p>
           <a:p>
-            <a:endParaRPr lang="de-AT" sz="1000" noProof="1"/>
-          </a:p>
-          <a:p>
-            <a:r>
-              <a:rPr lang="de-AT" sz="1000" noProof="1"/>
+            <a:endParaRPr lang="en-US" sz="1000" noProof="1"/>
+          </a:p>
+          <a:p>
+            <a:r>
+              <a:rPr lang="en-US" sz="1000" noProof="1"/>
               <a:t>Set-Item WSMan:\localhost\Client\TrustedHosts $vmIP -Force</a:t>
             </a:r>
           </a:p>
           <a:p>
             <a:r>
-              <a:rPr lang="de-AT" sz="1000" noProof="1"/>
+              <a:rPr lang="en-US" sz="1000" noProof="1"/>
               <a:t>$cred = Get-Credential</a:t>
             </a:r>
           </a:p>
           <a:p>
             <a:r>
-              <a:rPr lang="de-AT" sz="1000" noProof="1"/>
+              <a:rPr lang="en-US" sz="1000" noProof="1"/>
               <a:t>$session = </a:t>
             </a:r>
             <a:r>
-              <a:rPr lang="de-AT" sz="1000" noProof="1">
+              <a:rPr lang="en-US" sz="1000" noProof="1">
                 <a:solidFill>
                   <a:srgbClr val="FF0000"/>
                 </a:solidFill>
@@ -14541,13 +14864,13 @@
               <a:t>New-PSSession</a:t>
             </a:r>
             <a:r>
-              <a:rPr lang="de-AT" sz="1000" noProof="1"/>
+              <a:rPr lang="en-US" sz="1000" noProof="1"/>
               <a:t> -ComputerName $vmIP -Credential $cred</a:t>
             </a:r>
           </a:p>
           <a:p>
             <a:r>
-              <a:rPr lang="de-AT" sz="1000" noProof="1">
+              <a:rPr lang="en-US" sz="1000" noProof="1">
                 <a:solidFill>
                   <a:srgbClr val="FF0000"/>
                 </a:solidFill>
@@ -14555,18 +14878,12 @@
               <a:t>Enter-PSSession</a:t>
             </a:r>
             <a:r>
-              <a:rPr lang="de-AT" sz="1000" noProof="1"/>
+              <a:rPr lang="en-US" sz="1000" noProof="1"/>
               <a:t> -Session $session</a:t>
             </a:r>
           </a:p>
           <a:p>
-            <a:endParaRPr lang="de-AT" sz="1000" noProof="1"/>
-          </a:p>
-          <a:p>
-            <a:endParaRPr lang="de-AT" sz="1000" noProof="1"/>
-          </a:p>
-          <a:p>
-            <a:endParaRPr lang="de-AT" sz="1000" noProof="1"/>
+            <a:endParaRPr lang="en-US" sz="1000" noProof="1"/>
           </a:p>
         </p:txBody>
       </p:sp>
@@ -14586,30 +14903,9 @@
           <a:lstStyle/>
           <a:p>
             <a:r>
-              <a:rPr lang="de-AT" dirty="0"/>
-              <a:t>Connect </a:t>
-            </a:r>
-            <a:r>
-              <a:rPr lang="de-AT" dirty="0" err="1"/>
-              <a:t>and</a:t>
-            </a:r>
-            <a:r>
-              <a:rPr lang="de-AT" dirty="0"/>
-              <a:t> </a:t>
-            </a:r>
-            <a:r>
-              <a:rPr lang="de-AT" dirty="0" err="1"/>
-              <a:t>create</a:t>
-            </a:r>
-            <a:r>
-              <a:rPr lang="de-AT" dirty="0"/>
-              <a:t> </a:t>
-            </a:r>
-            <a:r>
-              <a:rPr lang="de-AT" dirty="0" err="1"/>
-              <a:t>session</a:t>
-            </a:r>
-            <a:endParaRPr lang="de-AT" dirty="0"/>
+              <a:rPr lang="en-US" dirty="0"/>
+              <a:t>Connect and create session</a:t>
+            </a:r>
           </a:p>
         </p:txBody>
       </p:sp>
@@ -14628,7 +14924,7 @@
           <a:bodyPr/>
           <a:lstStyle/>
           <a:p>
-            <a:endParaRPr lang="de-AT"/>
+            <a:endParaRPr lang="en-US" dirty="0"/>
           </a:p>
         </p:txBody>
       </p:sp>
@@ -14651,12 +14947,9 @@
               <a:rPr lang="de-AT" dirty="0">
                 <a:hlinkClick r:id="rId2"/>
               </a:rPr>
-              <a:t>https://technet.microsoft.com/en-us/windows-server-docs/get-started/deploy-nano-server#nano-server-image-builder</a:t>
-            </a:r>
-            <a:r>
-              <a:rPr lang="de-AT" dirty="0"/>
-              <a:t> </a:t>
-            </a:r>
+              <a:t>https://github.com/rstropek/DockerVS2015Intro/blob/master/dockerDemos/07-win-container-nano-server/connect-nano-server.ps1</a:t>
+            </a:r>
+            <a:endParaRPr lang="de-AT" dirty="0"/>
           </a:p>
         </p:txBody>
       </p:sp>
@@ -14855,7 +15148,7 @@
 </file>
 
 <file path=ppt/slides/slide9.xml><?xml version="1.0" encoding="utf-8"?>
-<p:sld xmlns:a="http://schemas.openxmlformats.org/drawingml/2006/main" xmlns:r="http://schemas.openxmlformats.org/officeDocument/2006/relationships" xmlns:p="http://schemas.openxmlformats.org/presentationml/2006/main">
+<p:sld xmlns:a="http://schemas.openxmlformats.org/drawingml/2006/main" xmlns:r="http://schemas.openxmlformats.org/officeDocument/2006/relationships" xmlns:p="http://schemas.openxmlformats.org/presentationml/2006/main" showMasterPhAnim="0">
   <p:cSld>
     <p:spTree>
       <p:nvGrpSpPr>
@@ -14873,12 +15166,12 @@
       </p:grpSpPr>
       <p:sp>
         <p:nvSpPr>
-          <p:cNvPr id="5" name="Title 4"/>
+          <p:cNvPr id="2" name="Text Placeholder 1"/>
           <p:cNvSpPr>
             <a:spLocks noGrp="1"/>
           </p:cNvSpPr>
           <p:nvPr>
-            <p:ph type="title"/>
+            <p:ph type="body" sz="quarter" idx="16"/>
           </p:nvPr>
         </p:nvSpPr>
         <p:spPr/>
@@ -14887,39 +15180,15 @@
           <a:lstStyle/>
           <a:p>
             <a:r>
-              <a:rPr lang="de-AT" dirty="0"/>
-              <a:t>Image </a:t>
-            </a:r>
-            <a:r>
-              <a:rPr lang="de-AT" dirty="0" err="1"/>
-              <a:t>Builder</a:t>
-            </a:r>
-            <a:endParaRPr lang="de-AT" dirty="0"/>
-          </a:p>
-        </p:txBody>
-      </p:sp>
-      <p:sp>
-        <p:nvSpPr>
-          <p:cNvPr id="7" name="Text Placeholder 6"/>
-          <p:cNvSpPr>
-            <a:spLocks noGrp="1"/>
-          </p:cNvSpPr>
-          <p:nvPr>
-            <p:ph type="body" sz="quarter" idx="23"/>
-          </p:nvPr>
-        </p:nvSpPr>
-        <p:spPr/>
-        <p:txBody>
-          <a:bodyPr/>
-          <a:lstStyle/>
-          <a:p>
-            <a:endParaRPr lang="de-AT"/>
-          </a:p>
-        </p:txBody>
-      </p:sp>
-      <p:sp>
-        <p:nvSpPr>
-          <p:cNvPr id="8" name="Text Placeholder 7"/>
+              <a:rPr lang="en-US" dirty="0"/>
+              <a:t>Install Nano Server</a:t>
+            </a:r>
+          </a:p>
+        </p:txBody>
+      </p:sp>
+      <p:sp>
+        <p:nvSpPr>
+          <p:cNvPr id="3" name="Text Placeholder 2"/>
           <p:cNvSpPr>
             <a:spLocks noGrp="1"/>
           </p:cNvSpPr>
@@ -14932,13 +15201,16 @@
           <a:bodyPr/>
           <a:lstStyle/>
           <a:p>
-            <a:endParaRPr lang="de-AT" dirty="0"/>
-          </a:p>
-        </p:txBody>
-      </p:sp>
-      <p:sp>
-        <p:nvSpPr>
-          <p:cNvPr id="9" name="Text Placeholder 8"/>
+            <a:r>
+              <a:rPr lang="en-US" dirty="0"/>
+              <a:t>Nano Server Image Builder</a:t>
+            </a:r>
+          </a:p>
+        </p:txBody>
+      </p:sp>
+      <p:sp>
+        <p:nvSpPr>
+          <p:cNvPr id="4" name="Text Placeholder 3"/>
           <p:cNvSpPr>
             <a:spLocks noGrp="1"/>
           </p:cNvSpPr>
@@ -14951,6 +15223,25 @@
           <a:bodyPr/>
           <a:lstStyle/>
           <a:p>
+            <a:endParaRPr lang="en-US" dirty="0"/>
+          </a:p>
+        </p:txBody>
+      </p:sp>
+      <p:sp>
+        <p:nvSpPr>
+          <p:cNvPr id="5" name="Text Placeholder 4"/>
+          <p:cNvSpPr>
+            <a:spLocks noGrp="1"/>
+          </p:cNvSpPr>
+          <p:nvPr>
+            <p:ph type="body" sz="quarter" idx="26"/>
+          </p:nvPr>
+        </p:nvSpPr>
+        <p:spPr/>
+        <p:txBody>
+          <a:bodyPr/>
+          <a:lstStyle/>
+          <a:p>
             <a:r>
               <a:rPr lang="de-AT" dirty="0">
                 <a:hlinkClick r:id="rId2"/>
@@ -14963,13 +15254,11 @@
       </p:sp>
       <p:pic>
         <p:nvPicPr>
-          <p:cNvPr id="10" name="Content Placeholder 9"/>
+          <p:cNvPr id="6" name="Content Placeholder 9"/>
           <p:cNvPicPr>
-            <a:picLocks noGrp="1" noChangeAspect="1"/>
+            <a:picLocks noChangeAspect="1"/>
           </p:cNvPicPr>
-          <p:nvPr>
-            <p:ph sz="quarter" idx="22"/>
-          </p:nvPr>
+          <p:nvPr/>
         </p:nvPicPr>
         <p:blipFill>
           <a:blip r:embed="rId3"/>
@@ -14979,8 +15268,8 @@
         </p:blipFill>
         <p:spPr>
           <a:xfrm>
-            <a:off x="468313" y="719407"/>
-            <a:ext cx="5327650" cy="4144423"/>
+            <a:off x="395536" y="267494"/>
+            <a:ext cx="4392488" cy="3416953"/>
           </a:xfrm>
           <a:prstGeom prst="rect">
             <a:avLst/>
@@ -14990,16 +15279,25 @@
     </p:spTree>
     <p:extLst>
       <p:ext uri="{BB962C8B-B14F-4D97-AF65-F5344CB8AC3E}">
-        <p14:creationId xmlns:p14="http://schemas.microsoft.com/office/powerpoint/2010/main" val="2384864539"/>
+        <p14:creationId xmlns:p14="http://schemas.microsoft.com/office/powerpoint/2010/main" val="1057875394"/>
       </p:ext>
     </p:extLst>
   </p:cSld>
   <p:clrMapOvr>
     <a:masterClrMapping/>
   </p:clrMapOvr>
-  <p:transition spd="slow">
-    <p:push/>
-  </p:transition>
+  <mc:AlternateContent xmlns:mc="http://schemas.openxmlformats.org/markup-compatibility/2006" xmlns:p14="http://schemas.microsoft.com/office/powerpoint/2010/main">
+    <mc:Choice Requires="p14">
+      <p:transition spd="med" p14:dur="700">
+        <p:fade/>
+      </p:transition>
+    </mc:Choice>
+    <mc:Fallback xmlns="">
+      <p:transition spd="med">
+        <p:fade/>
+      </p:transition>
+    </mc:Fallback>
+  </mc:AlternateContent>
 </p:sld>
 </file>
 
@@ -15800,21 +16098,6 @@
 </file>
 
 <file path=customXml/item1.xml><?xml version="1.0" encoding="utf-8"?>
-<p:properties xmlns:p="http://schemas.microsoft.com/office/2006/metadata/properties" xmlns:xsi="http://www.w3.org/2001/XMLSchema-instance">
-  <documentManagement/>
-</p:properties>
-</file>
-
-<file path=customXml/item2.xml><?xml version="1.0" encoding="utf-8"?>
-<?mso-contentType ?>
-<FormTemplates xmlns="http://schemas.microsoft.com/sharepoint/v3/contenttype/forms">
-  <Display>DocumentLibraryForm</Display>
-  <Edit>DocumentLibraryForm</Edit>
-  <New>DocumentLibraryForm</New>
-</FormTemplates>
-</file>
-
-<file path=customXml/item3.xml><?xml version="1.0" encoding="utf-8"?>
 <ct:contentTypeSchema xmlns:ct="http://schemas.microsoft.com/office/2006/metadata/contentType" xmlns:ma="http://schemas.microsoft.com/office/2006/metadata/properties/metaAttributes" ct:_="" ma:_="" ma:contentTypeName="Document" ma:contentTypeID="0x0101006C90029AD581154692170791F90B0BA6" ma:contentTypeVersion="0" ma:contentTypeDescription="Create a new document." ma:contentTypeScope="" ma:versionID="453f2a28f59e13bb333d4563bd7e6ec5">
   <xsd:schema xmlns:xsd="http://www.w3.org/2001/XMLSchema" xmlns:p="http://schemas.microsoft.com/office/2006/metadata/properties" targetNamespace="http://schemas.microsoft.com/office/2006/metadata/properties" ma:root="true" ma:fieldsID="4aeb20c0e3442673af7ee10786458764">
     <xsd:element name="properties">
@@ -15863,16 +16146,32 @@
 </ct:contentTypeSchema>
 </file>
 
+<file path=customXml/item2.xml><?xml version="1.0" encoding="utf-8"?>
+<?mso-contentType ?>
+<FormTemplates xmlns="http://schemas.microsoft.com/sharepoint/v3/contenttype/forms">
+  <Display>DocumentLibraryForm</Display>
+  <Edit>DocumentLibraryForm</Edit>
+  <New>DocumentLibraryForm</New>
+</FormTemplates>
+</file>
+
+<file path=customXml/item3.xml><?xml version="1.0" encoding="utf-8"?>
+<p:properties xmlns:p="http://schemas.microsoft.com/office/2006/metadata/properties" xmlns:xsi="http://www.w3.org/2001/XMLSchema-instance">
+  <documentManagement/>
+</p:properties>
+</file>
+
 <file path=customXml/itemProps1.xml><?xml version="1.0" encoding="utf-8"?>
-<ds:datastoreItem xmlns:ds="http://schemas.openxmlformats.org/officeDocument/2006/customXml" ds:itemID="{03D43D4A-F5F8-47F6-A4EC-521F433C91BF}">
+<ds:datastoreItem xmlns:ds="http://schemas.openxmlformats.org/officeDocument/2006/customXml" ds:itemID="{14A11C81-3A20-458B-AC33-D8C9DB9BBB4A}">
   <ds:schemaRefs>
+    <ds:schemaRef ds:uri="http://schemas.microsoft.com/office/2006/metadata/contentType"/>
+    <ds:schemaRef ds:uri="http://schemas.microsoft.com/office/2006/metadata/properties/metaAttributes"/>
+    <ds:schemaRef ds:uri="http://www.w3.org/2001/XMLSchema"/>
+    <ds:schemaRef ds:uri="http://schemas.microsoft.com/office/2006/metadata/properties"/>
+    <ds:schemaRef ds:uri="http://schemas.openxmlformats.org/package/2006/metadata/core-properties"/>
+    <ds:schemaRef ds:uri="http://purl.org/dc/elements/1.1/"/>
     <ds:schemaRef ds:uri="http://purl.org/dc/terms/"/>
-    <ds:schemaRef ds:uri="http://schemas.openxmlformats.org/package/2006/metadata/core-properties"/>
-    <ds:schemaRef ds:uri="http://schemas.microsoft.com/office/2006/documentManagement/types"/>
-    <ds:schemaRef ds:uri="http://purl.org/dc/elements/1.1/"/>
-    <ds:schemaRef ds:uri="http://schemas.microsoft.com/office/2006/metadata/properties"/>
-    <ds:schemaRef ds:uri="http://www.w3.org/XML/1998/namespace"/>
-    <ds:schemaRef ds:uri="http://purl.org/dc/dcmitype/"/>
+    <ds:schemaRef ds:uri="http://schemas.microsoft.com/office/internal/2005/internalDocumentation"/>
   </ds:schemaRefs>
 </ds:datastoreItem>
 </file>
@@ -15886,16 +16185,15 @@
 </file>
 
 <file path=customXml/itemProps3.xml><?xml version="1.0" encoding="utf-8"?>
-<ds:datastoreItem xmlns:ds="http://schemas.openxmlformats.org/officeDocument/2006/customXml" ds:itemID="{14A11C81-3A20-458B-AC33-D8C9DB9BBB4A}">
+<ds:datastoreItem xmlns:ds="http://schemas.openxmlformats.org/officeDocument/2006/customXml" ds:itemID="{03D43D4A-F5F8-47F6-A4EC-521F433C91BF}">
   <ds:schemaRefs>
-    <ds:schemaRef ds:uri="http://schemas.microsoft.com/office/2006/metadata/contentType"/>
-    <ds:schemaRef ds:uri="http://schemas.microsoft.com/office/2006/metadata/properties/metaAttributes"/>
-    <ds:schemaRef ds:uri="http://www.w3.org/2001/XMLSchema"/>
+    <ds:schemaRef ds:uri="http://purl.org/dc/terms/"/>
+    <ds:schemaRef ds:uri="http://schemas.openxmlformats.org/package/2006/metadata/core-properties"/>
+    <ds:schemaRef ds:uri="http://purl.org/dc/dcmitype/"/>
+    <ds:schemaRef ds:uri="http://schemas.microsoft.com/office/2006/documentManagement/types"/>
     <ds:schemaRef ds:uri="http://schemas.microsoft.com/office/2006/metadata/properties"/>
-    <ds:schemaRef ds:uri="http://schemas.openxmlformats.org/package/2006/metadata/core-properties"/>
+    <ds:schemaRef ds:uri="http://www.w3.org/XML/1998/namespace"/>
     <ds:schemaRef ds:uri="http://purl.org/dc/elements/1.1/"/>
-    <ds:schemaRef ds:uri="http://purl.org/dc/terms/"/>
-    <ds:schemaRef ds:uri="http://schemas.microsoft.com/office/internal/2005/internalDocumentation"/>
   </ds:schemaRefs>
 </ds:datastoreItem>
 </file>